--- a/sesija-14/PPT/Front-End Developer-14.pptx
+++ b/sesija-14/PPT/Front-End Developer-14.pptx
@@ -6,13 +6,16 @@
     <p:sldMasterId id="2147483676" r:id="rId2"/>
   </p:sldMasterIdLst>
   <p:notesMasterIdLst>
-    <p:notesMasterId r:id="rId7"/>
+    <p:notesMasterId r:id="rId10"/>
   </p:notesMasterIdLst>
   <p:sldIdLst>
     <p:sldId id="256" r:id="rId3"/>
     <p:sldId id="257" r:id="rId4"/>
     <p:sldId id="258" r:id="rId5"/>
-    <p:sldId id="261" r:id="rId6"/>
+    <p:sldId id="262" r:id="rId6"/>
+    <p:sldId id="263" r:id="rId7"/>
+    <p:sldId id="264" r:id="rId8"/>
+    <p:sldId id="261" r:id="rId9"/>
   </p:sldIdLst>
   <p:sldSz cx="12192000" cy="6858000"/>
   <p:notesSz cx="6858000" cy="9144000"/>
@@ -119,6 +122,9 @@
             <p14:sldId id="256"/>
             <p14:sldId id="257"/>
             <p14:sldId id="258"/>
+            <p14:sldId id="262"/>
+            <p14:sldId id="263"/>
+            <p14:sldId id="264"/>
             <p14:sldId id="261"/>
           </p14:sldIdLst>
         </p14:section>
@@ -904,7 +910,7 @@
         <a:p>
           <a:r>
             <a:rPr lang="en-US" b="1" smtClean="0"/>
-            <a:t>HTML</a:t>
+            <a:t>CSS</a:t>
           </a:r>
           <a:endParaRPr lang="en-US"/>
         </a:p>
@@ -1147,7 +1153,7 @@
           </a:pPr>
           <a:r>
             <a:rPr lang="en-US" sz="6500" b="1" kern="1200" smtClean="0"/>
-            <a:t>HTML</a:t>
+            <a:t>CSS</a:t>
           </a:r>
           <a:endParaRPr lang="en-US" sz="6500" kern="1200"/>
         </a:p>
@@ -2543,7 +2549,7 @@
           <a:p>
             <a:fld id="{D32AC403-8EB1-4D4E-8C3A-24BD19820531}" type="datetimeFigureOut">
               <a:rPr lang="en-US" smtClean="0"/>
-              <a:t>08-Mar-18</a:t>
+              <a:t>09-Mar-18</a:t>
             </a:fld>
             <a:endParaRPr lang="en-US"/>
           </a:p>
@@ -3289,7 +3295,7 @@
           <a:p>
             <a:fld id="{B35B300D-7DF5-4E96-8AA6-60E94C6E9F44}" type="datetimeFigureOut">
               <a:rPr lang="sr-Latn-RS" smtClean="0"/>
-              <a:t>8.3.2018.</a:t>
+              <a:t>9.3.2018.</a:t>
             </a:fld>
             <a:endParaRPr lang="sr-Latn-RS"/>
           </a:p>
@@ -3723,7 +3729,7 @@
           <a:p>
             <a:fld id="{B35B300D-7DF5-4E96-8AA6-60E94C6E9F44}" type="datetimeFigureOut">
               <a:rPr lang="sr-Latn-RS" smtClean="0"/>
-              <a:t>8.3.2018.</a:t>
+              <a:t>9.3.2018.</a:t>
             </a:fld>
             <a:endParaRPr lang="sr-Latn-RS"/>
           </a:p>
@@ -4097,7 +4103,7 @@
           <a:p>
             <a:fld id="{B35B300D-7DF5-4E96-8AA6-60E94C6E9F44}" type="datetimeFigureOut">
               <a:rPr lang="sr-Latn-RS" smtClean="0"/>
-              <a:t>8.3.2018.</a:t>
+              <a:t>9.3.2018.</a:t>
             </a:fld>
             <a:endParaRPr lang="sr-Latn-RS"/>
           </a:p>
@@ -4381,7 +4387,7 @@
           <a:p>
             <a:fld id="{B35B300D-7DF5-4E96-8AA6-60E94C6E9F44}" type="datetimeFigureOut">
               <a:rPr lang="sr-Latn-RS" smtClean="0"/>
-              <a:t>8.3.2018.</a:t>
+              <a:t>9.3.2018.</a:t>
             </a:fld>
             <a:endParaRPr lang="sr-Latn-RS"/>
           </a:p>
@@ -4558,7 +4564,7 @@
           <a:p>
             <a:fld id="{B35B300D-7DF5-4E96-8AA6-60E94C6E9F44}" type="datetimeFigureOut">
               <a:rPr lang="sr-Latn-RS" smtClean="0"/>
-              <a:t>8.3.2018.</a:t>
+              <a:t>9.3.2018.</a:t>
             </a:fld>
             <a:endParaRPr lang="sr-Latn-RS"/>
           </a:p>
@@ -4745,7 +4751,7 @@
           <a:p>
             <a:fld id="{B35B300D-7DF5-4E96-8AA6-60E94C6E9F44}" type="datetimeFigureOut">
               <a:rPr lang="sr-Latn-RS" smtClean="0"/>
-              <a:t>8.3.2018.</a:t>
+              <a:t>9.3.2018.</a:t>
             </a:fld>
             <a:endParaRPr lang="sr-Latn-RS"/>
           </a:p>
@@ -4992,7 +4998,7 @@
           <a:p>
             <a:fld id="{B35B300D-7DF5-4E96-8AA6-60E94C6E9F44}" type="datetimeFigureOut">
               <a:rPr lang="sr-Latn-RS" smtClean="0"/>
-              <a:t>8.3.2018.</a:t>
+              <a:t>9.3.2018.</a:t>
             </a:fld>
             <a:endParaRPr lang="sr-Latn-RS"/>
           </a:p>
@@ -5276,7 +5282,7 @@
           <a:p>
             <a:fld id="{B35B300D-7DF5-4E96-8AA6-60E94C6E9F44}" type="datetimeFigureOut">
               <a:rPr lang="sr-Latn-RS" smtClean="0"/>
-              <a:t>8.3.2018.</a:t>
+              <a:t>9.3.2018.</a:t>
             </a:fld>
             <a:endParaRPr lang="sr-Latn-RS"/>
           </a:p>
@@ -7195,7 +7201,7 @@
           <a:p>
             <a:fld id="{B35B300D-7DF5-4E96-8AA6-60E94C6E9F44}" type="datetimeFigureOut">
               <a:rPr lang="sr-Latn-RS" smtClean="0"/>
-              <a:t>8.3.2018.</a:t>
+              <a:t>9.3.2018.</a:t>
             </a:fld>
             <a:endParaRPr lang="sr-Latn-RS"/>
           </a:p>
@@ -7629,11 +7635,7 @@
             </a:br>
             <a:r>
               <a:rPr lang="en-US" b="1" smtClean="0"/>
-              <a:t>14 </a:t>
-            </a:r>
-            <a:r>
-              <a:rPr lang="en-US" b="1" smtClean="0"/>
-              <a:t>– 09.03.2018</a:t>
+              <a:t>14 – 09.03.2018</a:t>
             </a:r>
             <a:endParaRPr lang="en-US"/>
           </a:p>
@@ -7762,7 +7764,7 @@
           <p:nvPr>
             <p:extLst>
               <p:ext uri="{D42A27DB-BD31-4B8C-83A1-F6EECF244321}">
-                <p14:modId xmlns:p14="http://schemas.microsoft.com/office/powerpoint/2010/main" val="3672139126"/>
+                <p14:modId xmlns:p14="http://schemas.microsoft.com/office/powerpoint/2010/main" val="1381755589"/>
               </p:ext>
             </p:extLst>
           </p:nvPr>
@@ -7958,6 +7960,284 @@
 </file>
 
 <file path=ppt/slides/slide4.xml><?xml version="1.0" encoding="utf-8"?>
+<p:sld xmlns:a="http://schemas.openxmlformats.org/drawingml/2006/main" xmlns:r="http://schemas.openxmlformats.org/officeDocument/2006/relationships" xmlns:p="http://schemas.openxmlformats.org/presentationml/2006/main">
+  <p:cSld>
+    <p:spTree>
+      <p:nvGrpSpPr>
+        <p:cNvPr id="1" name=""/>
+        <p:cNvGrpSpPr/>
+        <p:nvPr/>
+      </p:nvGrpSpPr>
+      <p:grpSpPr>
+        <a:xfrm>
+          <a:off x="0" y="0"/>
+          <a:ext cx="0" cy="0"/>
+          <a:chOff x="0" y="0"/>
+          <a:chExt cx="0" cy="0"/>
+        </a:xfrm>
+      </p:grpSpPr>
+      <p:sp>
+        <p:nvSpPr>
+          <p:cNvPr id="4" name="Title 3"/>
+          <p:cNvSpPr>
+            <a:spLocks noGrp="1"/>
+          </p:cNvSpPr>
+          <p:nvPr>
+            <p:ph type="title"/>
+          </p:nvPr>
+        </p:nvSpPr>
+        <p:spPr/>
+        <p:txBody>
+          <a:bodyPr/>
+          <a:lstStyle/>
+          <a:p>
+            <a:r>
+              <a:rPr lang="en-US" smtClean="0"/>
+              <a:t>CSS</a:t>
+            </a:r>
+            <a:endParaRPr lang="sr-Latn-RS"/>
+          </a:p>
+        </p:txBody>
+      </p:sp>
+      <p:pic>
+        <p:nvPicPr>
+          <p:cNvPr id="6" name="Content Placeholder 5"/>
+          <p:cNvPicPr>
+            <a:picLocks noGrp="1" noChangeAspect="1"/>
+          </p:cNvPicPr>
+          <p:nvPr>
+            <p:ph sz="quarter" idx="10"/>
+          </p:nvPr>
+        </p:nvPicPr>
+        <p:blipFill>
+          <a:blip r:embed="rId2"/>
+          <a:stretch>
+            <a:fillRect/>
+          </a:stretch>
+        </p:blipFill>
+        <p:spPr>
+          <a:xfrm>
+            <a:off x="1089620" y="1485319"/>
+            <a:ext cx="7802064" cy="3162741"/>
+          </a:xfrm>
+          <a:prstGeom prst="rect">
+            <a:avLst/>
+          </a:prstGeom>
+        </p:spPr>
+      </p:pic>
+    </p:spTree>
+    <p:extLst>
+      <p:ext uri="{BB962C8B-B14F-4D97-AF65-F5344CB8AC3E}">
+        <p14:creationId xmlns:p14="http://schemas.microsoft.com/office/powerpoint/2010/main" val="2679133678"/>
+      </p:ext>
+    </p:extLst>
+  </p:cSld>
+  <p:clrMapOvr>
+    <a:masterClrMapping/>
+  </p:clrMapOvr>
+</p:sld>
+</file>
+
+<file path=ppt/slides/slide5.xml><?xml version="1.0" encoding="utf-8"?>
+<p:sld xmlns:a="http://schemas.openxmlformats.org/drawingml/2006/main" xmlns:r="http://schemas.openxmlformats.org/officeDocument/2006/relationships" xmlns:p="http://schemas.openxmlformats.org/presentationml/2006/main">
+  <p:cSld>
+    <p:spTree>
+      <p:nvGrpSpPr>
+        <p:cNvPr id="1" name=""/>
+        <p:cNvGrpSpPr/>
+        <p:nvPr/>
+      </p:nvGrpSpPr>
+      <p:grpSpPr>
+        <a:xfrm>
+          <a:off x="0" y="0"/>
+          <a:ext cx="0" cy="0"/>
+          <a:chOff x="0" y="0"/>
+          <a:chExt cx="0" cy="0"/>
+        </a:xfrm>
+      </p:grpSpPr>
+      <p:sp>
+        <p:nvSpPr>
+          <p:cNvPr id="2" name="Title 1"/>
+          <p:cNvSpPr>
+            <a:spLocks noGrp="1"/>
+          </p:cNvSpPr>
+          <p:nvPr>
+            <p:ph type="title"/>
+          </p:nvPr>
+        </p:nvSpPr>
+        <p:spPr/>
+        <p:txBody>
+          <a:bodyPr/>
+          <a:lstStyle/>
+          <a:p>
+            <a:r>
+              <a:rPr lang="en-US" smtClean="0"/>
+              <a:t>Razlika – sa i bez CSS</a:t>
+            </a:r>
+            <a:endParaRPr lang="sr-Latn-RS"/>
+          </a:p>
+        </p:txBody>
+      </p:sp>
+      <p:pic>
+        <p:nvPicPr>
+          <p:cNvPr id="4" name="Content Placeholder 3"/>
+          <p:cNvPicPr>
+            <a:picLocks noGrp="1" noChangeAspect="1"/>
+          </p:cNvPicPr>
+          <p:nvPr>
+            <p:ph sz="quarter" idx="10"/>
+          </p:nvPr>
+        </p:nvPicPr>
+        <p:blipFill>
+          <a:blip r:embed="rId2"/>
+          <a:stretch>
+            <a:fillRect/>
+          </a:stretch>
+        </p:blipFill>
+        <p:spPr>
+          <a:xfrm>
+            <a:off x="609480" y="1761673"/>
+            <a:ext cx="5296639" cy="2543530"/>
+          </a:xfrm>
+          <a:prstGeom prst="rect">
+            <a:avLst/>
+          </a:prstGeom>
+        </p:spPr>
+      </p:pic>
+      <p:pic>
+        <p:nvPicPr>
+          <p:cNvPr id="5" name="Picture 4"/>
+          <p:cNvPicPr>
+            <a:picLocks noChangeAspect="1"/>
+          </p:cNvPicPr>
+          <p:nvPr/>
+        </p:nvPicPr>
+        <p:blipFill>
+          <a:blip r:embed="rId3"/>
+          <a:stretch>
+            <a:fillRect/>
+          </a:stretch>
+        </p:blipFill>
+        <p:spPr>
+          <a:xfrm>
+            <a:off x="6012763" y="1752147"/>
+            <a:ext cx="5287113" cy="2553056"/>
+          </a:xfrm>
+          <a:prstGeom prst="rect">
+            <a:avLst/>
+          </a:prstGeom>
+        </p:spPr>
+      </p:pic>
+    </p:spTree>
+    <p:extLst>
+      <p:ext uri="{BB962C8B-B14F-4D97-AF65-F5344CB8AC3E}">
+        <p14:creationId xmlns:p14="http://schemas.microsoft.com/office/powerpoint/2010/main" val="2966479423"/>
+      </p:ext>
+    </p:extLst>
+  </p:cSld>
+  <p:clrMapOvr>
+    <a:masterClrMapping/>
+  </p:clrMapOvr>
+</p:sld>
+</file>
+
+<file path=ppt/slides/slide6.xml><?xml version="1.0" encoding="utf-8"?>
+<p:sld xmlns:a="http://schemas.openxmlformats.org/drawingml/2006/main" xmlns:r="http://schemas.openxmlformats.org/officeDocument/2006/relationships" xmlns:p="http://schemas.openxmlformats.org/presentationml/2006/main">
+  <p:cSld>
+    <p:spTree>
+      <p:nvGrpSpPr>
+        <p:cNvPr id="1" name=""/>
+        <p:cNvGrpSpPr/>
+        <p:nvPr/>
+      </p:nvGrpSpPr>
+      <p:grpSpPr>
+        <a:xfrm>
+          <a:off x="0" y="0"/>
+          <a:ext cx="0" cy="0"/>
+          <a:chOff x="0" y="0"/>
+          <a:chExt cx="0" cy="0"/>
+        </a:xfrm>
+      </p:grpSpPr>
+      <p:sp>
+        <p:nvSpPr>
+          <p:cNvPr id="2" name="Title 1"/>
+          <p:cNvSpPr>
+            <a:spLocks noGrp="1"/>
+          </p:cNvSpPr>
+          <p:nvPr>
+            <p:ph type="title"/>
+          </p:nvPr>
+        </p:nvSpPr>
+        <p:spPr/>
+        <p:txBody>
+          <a:bodyPr/>
+          <a:lstStyle/>
+          <a:p>
+            <a:r>
+              <a:rPr lang="en-US" smtClean="0"/>
+              <a:t>Tri nacina da se CSS primeni</a:t>
+            </a:r>
+            <a:endParaRPr lang="sr-Latn-RS"/>
+          </a:p>
+        </p:txBody>
+      </p:sp>
+      <p:sp>
+        <p:nvSpPr>
+          <p:cNvPr id="3" name="Content Placeholder 2"/>
+          <p:cNvSpPr>
+            <a:spLocks noGrp="1"/>
+          </p:cNvSpPr>
+          <p:nvPr>
+            <p:ph sz="quarter" idx="10"/>
+          </p:nvPr>
+        </p:nvSpPr>
+        <p:spPr/>
+        <p:txBody>
+          <a:bodyPr/>
+          <a:lstStyle/>
+          <a:p>
+            <a:endParaRPr lang="sr-Latn-RS"/>
+          </a:p>
+        </p:txBody>
+      </p:sp>
+      <p:pic>
+        <p:nvPicPr>
+          <p:cNvPr id="4" name="Picture 3"/>
+          <p:cNvPicPr>
+            <a:picLocks noChangeAspect="1"/>
+          </p:cNvPicPr>
+          <p:nvPr/>
+        </p:nvPicPr>
+        <p:blipFill>
+          <a:blip r:embed="rId2"/>
+          <a:stretch>
+            <a:fillRect/>
+          </a:stretch>
+        </p:blipFill>
+        <p:spPr>
+          <a:xfrm>
+            <a:off x="530682" y="1254078"/>
+            <a:ext cx="9185948" cy="4689523"/>
+          </a:xfrm>
+          <a:prstGeom prst="rect">
+            <a:avLst/>
+          </a:prstGeom>
+        </p:spPr>
+      </p:pic>
+    </p:spTree>
+    <p:extLst>
+      <p:ext uri="{BB962C8B-B14F-4D97-AF65-F5344CB8AC3E}">
+        <p14:creationId xmlns:p14="http://schemas.microsoft.com/office/powerpoint/2010/main" val="475861129"/>
+      </p:ext>
+    </p:extLst>
+  </p:cSld>
+  <p:clrMapOvr>
+    <a:masterClrMapping/>
+  </p:clrMapOvr>
+</p:sld>
+</file>
+
+<file path=ppt/slides/slide7.xml><?xml version="1.0" encoding="utf-8"?>
 <p:sld xmlns:a="http://schemas.openxmlformats.org/drawingml/2006/main" xmlns:r="http://schemas.openxmlformats.org/officeDocument/2006/relationships" xmlns:p="http://schemas.openxmlformats.org/presentationml/2006/main">
   <p:cSld>
     <p:spTree>

--- a/sesija-14/PPT/Front-End Developer-14.pptx
+++ b/sesija-14/PPT/Front-End Developer-14.pptx
@@ -6,16 +6,25 @@
     <p:sldMasterId id="2147483676" r:id="rId2"/>
   </p:sldMasterIdLst>
   <p:notesMasterIdLst>
-    <p:notesMasterId r:id="rId10"/>
+    <p:notesMasterId r:id="rId19"/>
   </p:notesMasterIdLst>
   <p:sldIdLst>
     <p:sldId id="256" r:id="rId3"/>
     <p:sldId id="257" r:id="rId4"/>
     <p:sldId id="258" r:id="rId5"/>
-    <p:sldId id="262" r:id="rId6"/>
-    <p:sldId id="263" r:id="rId7"/>
-    <p:sldId id="264" r:id="rId8"/>
-    <p:sldId id="261" r:id="rId9"/>
+    <p:sldId id="266" r:id="rId6"/>
+    <p:sldId id="262" r:id="rId7"/>
+    <p:sldId id="263" r:id="rId8"/>
+    <p:sldId id="264" r:id="rId9"/>
+    <p:sldId id="265" r:id="rId10"/>
+    <p:sldId id="267" r:id="rId11"/>
+    <p:sldId id="268" r:id="rId12"/>
+    <p:sldId id="269" r:id="rId13"/>
+    <p:sldId id="270" r:id="rId14"/>
+    <p:sldId id="271" r:id="rId15"/>
+    <p:sldId id="272" r:id="rId16"/>
+    <p:sldId id="273" r:id="rId17"/>
+    <p:sldId id="274" r:id="rId18"/>
   </p:sldIdLst>
   <p:sldSz cx="12192000" cy="6858000"/>
   <p:notesSz cx="6858000" cy="9144000"/>
@@ -122,10 +131,19 @@
             <p14:sldId id="256"/>
             <p14:sldId id="257"/>
             <p14:sldId id="258"/>
+            <p14:sldId id="266"/>
             <p14:sldId id="262"/>
             <p14:sldId id="263"/>
             <p14:sldId id="264"/>
-            <p14:sldId id="261"/>
+            <p14:sldId id="265"/>
+            <p14:sldId id="267"/>
+            <p14:sldId id="268"/>
+            <p14:sldId id="269"/>
+            <p14:sldId id="270"/>
+            <p14:sldId id="271"/>
+            <p14:sldId id="272"/>
+            <p14:sldId id="273"/>
+            <p14:sldId id="274"/>
           </p14:sldIdLst>
         </p14:section>
       </p14:sectionLst>
@@ -2549,7 +2567,7 @@
           <a:p>
             <a:fld id="{D32AC403-8EB1-4D4E-8C3A-24BD19820531}" type="datetimeFigureOut">
               <a:rPr lang="en-US" smtClean="0"/>
-              <a:t>09-Mar-18</a:t>
+              <a:t>11-Mar-18</a:t>
             </a:fld>
             <a:endParaRPr lang="en-US"/>
           </a:p>
@@ -3295,7 +3313,7 @@
           <a:p>
             <a:fld id="{B35B300D-7DF5-4E96-8AA6-60E94C6E9F44}" type="datetimeFigureOut">
               <a:rPr lang="sr-Latn-RS" smtClean="0"/>
-              <a:t>9.3.2018.</a:t>
+              <a:t>11.3.2018.</a:t>
             </a:fld>
             <a:endParaRPr lang="sr-Latn-RS"/>
           </a:p>
@@ -3729,7 +3747,7 @@
           <a:p>
             <a:fld id="{B35B300D-7DF5-4E96-8AA6-60E94C6E9F44}" type="datetimeFigureOut">
               <a:rPr lang="sr-Latn-RS" smtClean="0"/>
-              <a:t>9.3.2018.</a:t>
+              <a:t>11.3.2018.</a:t>
             </a:fld>
             <a:endParaRPr lang="sr-Latn-RS"/>
           </a:p>
@@ -4103,7 +4121,7 @@
           <a:p>
             <a:fld id="{B35B300D-7DF5-4E96-8AA6-60E94C6E9F44}" type="datetimeFigureOut">
               <a:rPr lang="sr-Latn-RS" smtClean="0"/>
-              <a:t>9.3.2018.</a:t>
+              <a:t>11.3.2018.</a:t>
             </a:fld>
             <a:endParaRPr lang="sr-Latn-RS"/>
           </a:p>
@@ -4387,7 +4405,7 @@
           <a:p>
             <a:fld id="{B35B300D-7DF5-4E96-8AA6-60E94C6E9F44}" type="datetimeFigureOut">
               <a:rPr lang="sr-Latn-RS" smtClean="0"/>
-              <a:t>9.3.2018.</a:t>
+              <a:t>11.3.2018.</a:t>
             </a:fld>
             <a:endParaRPr lang="sr-Latn-RS"/>
           </a:p>
@@ -4564,7 +4582,7 @@
           <a:p>
             <a:fld id="{B35B300D-7DF5-4E96-8AA6-60E94C6E9F44}" type="datetimeFigureOut">
               <a:rPr lang="sr-Latn-RS" smtClean="0"/>
-              <a:t>9.3.2018.</a:t>
+              <a:t>11.3.2018.</a:t>
             </a:fld>
             <a:endParaRPr lang="sr-Latn-RS"/>
           </a:p>
@@ -4751,7 +4769,7 @@
           <a:p>
             <a:fld id="{B35B300D-7DF5-4E96-8AA6-60E94C6E9F44}" type="datetimeFigureOut">
               <a:rPr lang="sr-Latn-RS" smtClean="0"/>
-              <a:t>9.3.2018.</a:t>
+              <a:t>11.3.2018.</a:t>
             </a:fld>
             <a:endParaRPr lang="sr-Latn-RS"/>
           </a:p>
@@ -4998,7 +5016,7 @@
           <a:p>
             <a:fld id="{B35B300D-7DF5-4E96-8AA6-60E94C6E9F44}" type="datetimeFigureOut">
               <a:rPr lang="sr-Latn-RS" smtClean="0"/>
-              <a:t>9.3.2018.</a:t>
+              <a:t>11.3.2018.</a:t>
             </a:fld>
             <a:endParaRPr lang="sr-Latn-RS"/>
           </a:p>
@@ -5282,7 +5300,7 @@
           <a:p>
             <a:fld id="{B35B300D-7DF5-4E96-8AA6-60E94C6E9F44}" type="datetimeFigureOut">
               <a:rPr lang="sr-Latn-RS" smtClean="0"/>
-              <a:t>9.3.2018.</a:t>
+              <a:t>11.3.2018.</a:t>
             </a:fld>
             <a:endParaRPr lang="sr-Latn-RS"/>
           </a:p>
@@ -7201,7 +7219,7 @@
           <a:p>
             <a:fld id="{B35B300D-7DF5-4E96-8AA6-60E94C6E9F44}" type="datetimeFigureOut">
               <a:rPr lang="sr-Latn-RS" smtClean="0"/>
-              <a:t>9.3.2018.</a:t>
+              <a:t>11.3.2018.</a:t>
             </a:fld>
             <a:endParaRPr lang="sr-Latn-RS"/>
           </a:p>
@@ -7635,7 +7653,7 @@
             </a:br>
             <a:r>
               <a:rPr lang="en-US" b="1" smtClean="0"/>
-              <a:t>14 – 09.03.2018</a:t>
+              <a:t>14 – 12.03.2018</a:t>
             </a:r>
             <a:endParaRPr lang="en-US"/>
           </a:p>
@@ -7681,6 +7699,666 @@
       </p:par>
     </p:tnLst>
   </p:timing>
+</p:sld>
+</file>
+
+<file path=ppt/slides/slide10.xml><?xml version="1.0" encoding="utf-8"?>
+<p:sld xmlns:a="http://schemas.openxmlformats.org/drawingml/2006/main" xmlns:r="http://schemas.openxmlformats.org/officeDocument/2006/relationships" xmlns:p="http://schemas.openxmlformats.org/presentationml/2006/main">
+  <p:cSld>
+    <p:spTree>
+      <p:nvGrpSpPr>
+        <p:cNvPr id="1" name=""/>
+        <p:cNvGrpSpPr/>
+        <p:nvPr/>
+      </p:nvGrpSpPr>
+      <p:grpSpPr>
+        <a:xfrm>
+          <a:off x="0" y="0"/>
+          <a:ext cx="0" cy="0"/>
+          <a:chOff x="0" y="0"/>
+          <a:chExt cx="0" cy="0"/>
+        </a:xfrm>
+      </p:grpSpPr>
+      <p:sp>
+        <p:nvSpPr>
+          <p:cNvPr id="2" name="Title 1"/>
+          <p:cNvSpPr>
+            <a:spLocks noGrp="1"/>
+          </p:cNvSpPr>
+          <p:nvPr>
+            <p:ph type="title"/>
+          </p:nvPr>
+        </p:nvSpPr>
+        <p:spPr/>
+        <p:txBody>
+          <a:bodyPr/>
+          <a:lstStyle/>
+          <a:p>
+            <a:r>
+              <a:rPr lang="en-US" smtClean="0"/>
+              <a:t>Transparency</a:t>
+            </a:r>
+            <a:endParaRPr lang="sr-Latn-RS"/>
+          </a:p>
+        </p:txBody>
+      </p:sp>
+      <p:pic>
+        <p:nvPicPr>
+          <p:cNvPr id="4" name="Content Placeholder 3"/>
+          <p:cNvPicPr>
+            <a:picLocks noGrp="1" noChangeAspect="1"/>
+          </p:cNvPicPr>
+          <p:nvPr>
+            <p:ph sz="quarter" idx="10"/>
+          </p:nvPr>
+        </p:nvPicPr>
+        <p:blipFill>
+          <a:blip r:embed="rId2"/>
+          <a:stretch>
+            <a:fillRect/>
+          </a:stretch>
+        </p:blipFill>
+        <p:spPr>
+          <a:xfrm>
+            <a:off x="1652639" y="1305301"/>
+            <a:ext cx="6509774" cy="3871912"/>
+          </a:xfrm>
+          <a:prstGeom prst="rect">
+            <a:avLst/>
+          </a:prstGeom>
+        </p:spPr>
+      </p:pic>
+      <p:sp>
+        <p:nvSpPr>
+          <p:cNvPr id="5" name="Rectangle 4"/>
+          <p:cNvSpPr/>
+          <p:nvPr/>
+        </p:nvSpPr>
+        <p:spPr>
+          <a:xfrm>
+            <a:off x="4193099" y="5427516"/>
+            <a:ext cx="3672800" cy="646331"/>
+          </a:xfrm>
+          <a:prstGeom prst="rect">
+            <a:avLst/>
+          </a:prstGeom>
+        </p:spPr>
+        <p:txBody>
+          <a:bodyPr wrap="none">
+            <a:spAutoFit/>
+          </a:bodyPr>
+          <a:lstStyle/>
+          <a:p>
+            <a:r>
+              <a:rPr lang="en-US" smtClean="0"/>
+              <a:t>Za Hsla – videti:</a:t>
+            </a:r>
+          </a:p>
+          <a:p>
+            <a:r>
+              <a:rPr lang="sr-Latn-RS" smtClean="0"/>
+              <a:t>https</a:t>
+            </a:r>
+            <a:r>
+              <a:rPr lang="sr-Latn-RS"/>
+              <a:t>://css-tricks.com/yay-for-hsla/</a:t>
+            </a:r>
+          </a:p>
+        </p:txBody>
+      </p:sp>
+    </p:spTree>
+    <p:extLst>
+      <p:ext uri="{BB962C8B-B14F-4D97-AF65-F5344CB8AC3E}">
+        <p14:creationId xmlns:p14="http://schemas.microsoft.com/office/powerpoint/2010/main" val="3017584282"/>
+      </p:ext>
+    </p:extLst>
+  </p:cSld>
+  <p:clrMapOvr>
+    <a:masterClrMapping/>
+  </p:clrMapOvr>
+</p:sld>
+</file>
+
+<file path=ppt/slides/slide11.xml><?xml version="1.0" encoding="utf-8"?>
+<p:sld xmlns:a="http://schemas.openxmlformats.org/drawingml/2006/main" xmlns:r="http://schemas.openxmlformats.org/officeDocument/2006/relationships" xmlns:p="http://schemas.openxmlformats.org/presentationml/2006/main">
+  <p:cSld>
+    <p:spTree>
+      <p:nvGrpSpPr>
+        <p:cNvPr id="1" name=""/>
+        <p:cNvGrpSpPr/>
+        <p:nvPr/>
+      </p:nvGrpSpPr>
+      <p:grpSpPr>
+        <a:xfrm>
+          <a:off x="0" y="0"/>
+          <a:ext cx="0" cy="0"/>
+          <a:chOff x="0" y="0"/>
+          <a:chExt cx="0" cy="0"/>
+        </a:xfrm>
+      </p:grpSpPr>
+      <p:sp>
+        <p:nvSpPr>
+          <p:cNvPr id="2" name="Title 1"/>
+          <p:cNvSpPr>
+            <a:spLocks noGrp="1"/>
+          </p:cNvSpPr>
+          <p:nvPr>
+            <p:ph type="title"/>
+          </p:nvPr>
+        </p:nvSpPr>
+        <p:spPr/>
+        <p:txBody>
+          <a:bodyPr/>
+          <a:lstStyle/>
+          <a:p>
+            <a:r>
+              <a:rPr lang="en-US" smtClean="0"/>
+              <a:t>Classes &amp; ID’s</a:t>
+            </a:r>
+            <a:endParaRPr lang="sr-Latn-RS"/>
+          </a:p>
+        </p:txBody>
+      </p:sp>
+      <p:sp>
+        <p:nvSpPr>
+          <p:cNvPr id="3" name="Content Placeholder 2"/>
+          <p:cNvSpPr>
+            <a:spLocks noGrp="1"/>
+          </p:cNvSpPr>
+          <p:nvPr>
+            <p:ph sz="quarter" idx="10"/>
+          </p:nvPr>
+        </p:nvSpPr>
+        <p:spPr/>
+        <p:txBody>
+          <a:bodyPr/>
+          <a:lstStyle/>
+          <a:p>
+            <a:r>
+              <a:rPr lang="en-US" smtClean="0"/>
+              <a:t>Preporuka – koristi class, cak i ako se samo jednom poziva pravilo u CSS!</a:t>
+            </a:r>
+            <a:endParaRPr lang="sr-Latn-RS"/>
+          </a:p>
+        </p:txBody>
+      </p:sp>
+    </p:spTree>
+    <p:extLst>
+      <p:ext uri="{BB962C8B-B14F-4D97-AF65-F5344CB8AC3E}">
+        <p14:creationId xmlns:p14="http://schemas.microsoft.com/office/powerpoint/2010/main" val="951549216"/>
+      </p:ext>
+    </p:extLst>
+  </p:cSld>
+  <p:clrMapOvr>
+    <a:masterClrMapping/>
+  </p:clrMapOvr>
+</p:sld>
+</file>
+
+<file path=ppt/slides/slide12.xml><?xml version="1.0" encoding="utf-8"?>
+<p:sld xmlns:a="http://schemas.openxmlformats.org/drawingml/2006/main" xmlns:r="http://schemas.openxmlformats.org/officeDocument/2006/relationships" xmlns:p="http://schemas.openxmlformats.org/presentationml/2006/main">
+  <p:cSld>
+    <p:spTree>
+      <p:nvGrpSpPr>
+        <p:cNvPr id="1" name=""/>
+        <p:cNvGrpSpPr/>
+        <p:nvPr/>
+      </p:nvGrpSpPr>
+      <p:grpSpPr>
+        <a:xfrm>
+          <a:off x="0" y="0"/>
+          <a:ext cx="0" cy="0"/>
+          <a:chOff x="0" y="0"/>
+          <a:chExt cx="0" cy="0"/>
+        </a:xfrm>
+      </p:grpSpPr>
+      <p:sp>
+        <p:nvSpPr>
+          <p:cNvPr id="2" name="Title 1"/>
+          <p:cNvSpPr>
+            <a:spLocks noGrp="1"/>
+          </p:cNvSpPr>
+          <p:nvPr>
+            <p:ph type="title"/>
+          </p:nvPr>
+        </p:nvSpPr>
+        <p:spPr/>
+        <p:txBody>
+          <a:bodyPr/>
+          <a:lstStyle/>
+          <a:p>
+            <a:r>
+              <a:rPr lang="en-US" smtClean="0"/>
+              <a:t>Box model</a:t>
+            </a:r>
+            <a:endParaRPr lang="sr-Latn-RS"/>
+          </a:p>
+        </p:txBody>
+      </p:sp>
+      <p:pic>
+        <p:nvPicPr>
+          <p:cNvPr id="4" name="Content Placeholder 3"/>
+          <p:cNvPicPr>
+            <a:picLocks noGrp="1" noChangeAspect="1"/>
+          </p:cNvPicPr>
+          <p:nvPr>
+            <p:ph sz="quarter" idx="10"/>
+          </p:nvPr>
+        </p:nvPicPr>
+        <p:blipFill>
+          <a:blip r:embed="rId2"/>
+          <a:stretch>
+            <a:fillRect/>
+          </a:stretch>
+        </p:blipFill>
+        <p:spPr>
+          <a:xfrm>
+            <a:off x="960775" y="1754188"/>
+            <a:ext cx="8325763" cy="3871912"/>
+          </a:xfrm>
+          <a:prstGeom prst="rect">
+            <a:avLst/>
+          </a:prstGeom>
+        </p:spPr>
+      </p:pic>
+    </p:spTree>
+    <p:extLst>
+      <p:ext uri="{BB962C8B-B14F-4D97-AF65-F5344CB8AC3E}">
+        <p14:creationId xmlns:p14="http://schemas.microsoft.com/office/powerpoint/2010/main" val="284190872"/>
+      </p:ext>
+    </p:extLst>
+  </p:cSld>
+  <p:clrMapOvr>
+    <a:masterClrMapping/>
+  </p:clrMapOvr>
+</p:sld>
+</file>
+
+<file path=ppt/slides/slide13.xml><?xml version="1.0" encoding="utf-8"?>
+<p:sld xmlns:a="http://schemas.openxmlformats.org/drawingml/2006/main" xmlns:r="http://schemas.openxmlformats.org/officeDocument/2006/relationships" xmlns:p="http://schemas.openxmlformats.org/presentationml/2006/main">
+  <p:cSld>
+    <p:spTree>
+      <p:nvGrpSpPr>
+        <p:cNvPr id="1" name=""/>
+        <p:cNvGrpSpPr/>
+        <p:nvPr/>
+      </p:nvGrpSpPr>
+      <p:grpSpPr>
+        <a:xfrm>
+          <a:off x="0" y="0"/>
+          <a:ext cx="0" cy="0"/>
+          <a:chOff x="0" y="0"/>
+          <a:chExt cx="0" cy="0"/>
+        </a:xfrm>
+      </p:grpSpPr>
+      <p:sp>
+        <p:nvSpPr>
+          <p:cNvPr id="2" name="Title 1"/>
+          <p:cNvSpPr>
+            <a:spLocks noGrp="1"/>
+          </p:cNvSpPr>
+          <p:nvPr>
+            <p:ph type="title"/>
+          </p:nvPr>
+        </p:nvSpPr>
+        <p:spPr/>
+        <p:txBody>
+          <a:bodyPr/>
+          <a:lstStyle/>
+          <a:p>
+            <a:r>
+              <a:rPr lang="en-US" smtClean="0"/>
+              <a:t>Problem sa Box modelom</a:t>
+            </a:r>
+            <a:endParaRPr lang="sr-Latn-RS"/>
+          </a:p>
+        </p:txBody>
+      </p:sp>
+      <p:pic>
+        <p:nvPicPr>
+          <p:cNvPr id="4" name="Content Placeholder 3"/>
+          <p:cNvPicPr>
+            <a:picLocks noGrp="1" noChangeAspect="1"/>
+          </p:cNvPicPr>
+          <p:nvPr>
+            <p:ph sz="quarter" idx="10"/>
+          </p:nvPr>
+        </p:nvPicPr>
+        <p:blipFill>
+          <a:blip r:embed="rId2"/>
+          <a:stretch>
+            <a:fillRect/>
+          </a:stretch>
+        </p:blipFill>
+        <p:spPr>
+          <a:xfrm>
+            <a:off x="609480" y="1163985"/>
+            <a:ext cx="7405598" cy="3510917"/>
+          </a:xfrm>
+          <a:prstGeom prst="rect">
+            <a:avLst/>
+          </a:prstGeom>
+        </p:spPr>
+      </p:pic>
+      <p:sp>
+        <p:nvSpPr>
+          <p:cNvPr id="5" name="Rectangle 4"/>
+          <p:cNvSpPr/>
+          <p:nvPr/>
+        </p:nvSpPr>
+        <p:spPr>
+          <a:xfrm>
+            <a:off x="1880001" y="4763694"/>
+            <a:ext cx="7263592" cy="369332"/>
+          </a:xfrm>
+          <a:prstGeom prst="rect">
+            <a:avLst/>
+          </a:prstGeom>
+        </p:spPr>
+        <p:txBody>
+          <a:bodyPr wrap="none">
+            <a:spAutoFit/>
+          </a:bodyPr>
+          <a:lstStyle/>
+          <a:p>
+            <a:r>
+              <a:rPr lang="en-US" smtClean="0"/>
+              <a:t>VIDI: </a:t>
+            </a:r>
+            <a:r>
+              <a:rPr lang="sr-Latn-RS" smtClean="0">
+                <a:hlinkClick r:id="rId3"/>
+              </a:rPr>
+              <a:t>https</a:t>
+            </a:r>
+            <a:r>
+              <a:rPr lang="sr-Latn-RS">
+                <a:hlinkClick r:id="rId3"/>
+              </a:rPr>
+              <a:t>://</a:t>
+            </a:r>
+            <a:r>
+              <a:rPr lang="sr-Latn-RS" smtClean="0">
+                <a:hlinkClick r:id="rId3"/>
+              </a:rPr>
+              <a:t>www.w3schools.com/css/css3_box-sizing.asp</a:t>
+            </a:r>
+            <a:r>
+              <a:rPr lang="en-US" smtClean="0"/>
+              <a:t> za resenje!</a:t>
+            </a:r>
+            <a:endParaRPr lang="sr-Latn-RS"/>
+          </a:p>
+        </p:txBody>
+      </p:sp>
+    </p:spTree>
+    <p:extLst>
+      <p:ext uri="{BB962C8B-B14F-4D97-AF65-F5344CB8AC3E}">
+        <p14:creationId xmlns:p14="http://schemas.microsoft.com/office/powerpoint/2010/main" val="1949592168"/>
+      </p:ext>
+    </p:extLst>
+  </p:cSld>
+  <p:clrMapOvr>
+    <a:masterClrMapping/>
+  </p:clrMapOvr>
+</p:sld>
+</file>
+
+<file path=ppt/slides/slide14.xml><?xml version="1.0" encoding="utf-8"?>
+<p:sld xmlns:a="http://schemas.openxmlformats.org/drawingml/2006/main" xmlns:r="http://schemas.openxmlformats.org/officeDocument/2006/relationships" xmlns:p="http://schemas.openxmlformats.org/presentationml/2006/main">
+  <p:cSld>
+    <p:spTree>
+      <p:nvGrpSpPr>
+        <p:cNvPr id="1" name=""/>
+        <p:cNvGrpSpPr/>
+        <p:nvPr/>
+      </p:nvGrpSpPr>
+      <p:grpSpPr>
+        <a:xfrm>
+          <a:off x="0" y="0"/>
+          <a:ext cx="0" cy="0"/>
+          <a:chOff x="0" y="0"/>
+          <a:chExt cx="0" cy="0"/>
+        </a:xfrm>
+      </p:grpSpPr>
+      <p:sp>
+        <p:nvSpPr>
+          <p:cNvPr id="2" name="Title 1"/>
+          <p:cNvSpPr>
+            <a:spLocks noGrp="1"/>
+          </p:cNvSpPr>
+          <p:nvPr>
+            <p:ph type="title"/>
+          </p:nvPr>
+        </p:nvSpPr>
+        <p:spPr/>
+        <p:txBody>
+          <a:bodyPr/>
+          <a:lstStyle/>
+          <a:p>
+            <a:r>
+              <a:rPr lang="en-US" smtClean="0"/>
+              <a:t>Block element vs Inline element</a:t>
+            </a:r>
+            <a:endParaRPr lang="sr-Latn-RS"/>
+          </a:p>
+        </p:txBody>
+      </p:sp>
+      <p:pic>
+        <p:nvPicPr>
+          <p:cNvPr id="4" name="Content Placeholder 3"/>
+          <p:cNvPicPr>
+            <a:picLocks noGrp="1" noChangeAspect="1"/>
+          </p:cNvPicPr>
+          <p:nvPr>
+            <p:ph sz="quarter" idx="10"/>
+          </p:nvPr>
+        </p:nvPicPr>
+        <p:blipFill>
+          <a:blip r:embed="rId2"/>
+          <a:stretch>
+            <a:fillRect/>
+          </a:stretch>
+        </p:blipFill>
+        <p:spPr>
+          <a:xfrm>
+            <a:off x="4799095" y="1128852"/>
+            <a:ext cx="7250169" cy="2645127"/>
+          </a:xfrm>
+          <a:prstGeom prst="rect">
+            <a:avLst/>
+          </a:prstGeom>
+        </p:spPr>
+      </p:pic>
+      <p:pic>
+        <p:nvPicPr>
+          <p:cNvPr id="5" name="Picture 4"/>
+          <p:cNvPicPr>
+            <a:picLocks noChangeAspect="1"/>
+          </p:cNvPicPr>
+          <p:nvPr/>
+        </p:nvPicPr>
+        <p:blipFill>
+          <a:blip r:embed="rId3"/>
+          <a:stretch>
+            <a:fillRect/>
+          </a:stretch>
+        </p:blipFill>
+        <p:spPr>
+          <a:xfrm>
+            <a:off x="310222" y="1608476"/>
+            <a:ext cx="4366975" cy="3495538"/>
+          </a:xfrm>
+          <a:prstGeom prst="rect">
+            <a:avLst/>
+          </a:prstGeom>
+        </p:spPr>
+      </p:pic>
+    </p:spTree>
+    <p:extLst>
+      <p:ext uri="{BB962C8B-B14F-4D97-AF65-F5344CB8AC3E}">
+        <p14:creationId xmlns:p14="http://schemas.microsoft.com/office/powerpoint/2010/main" val="1016872765"/>
+      </p:ext>
+    </p:extLst>
+  </p:cSld>
+  <p:clrMapOvr>
+    <a:masterClrMapping/>
+  </p:clrMapOvr>
+</p:sld>
+</file>
+
+<file path=ppt/slides/slide15.xml><?xml version="1.0" encoding="utf-8"?>
+<p:sld xmlns:a="http://schemas.openxmlformats.org/drawingml/2006/main" xmlns:r="http://schemas.openxmlformats.org/officeDocument/2006/relationships" xmlns:p="http://schemas.openxmlformats.org/presentationml/2006/main">
+  <p:cSld>
+    <p:spTree>
+      <p:nvGrpSpPr>
+        <p:cNvPr id="1" name=""/>
+        <p:cNvGrpSpPr/>
+        <p:nvPr/>
+      </p:nvGrpSpPr>
+      <p:grpSpPr>
+        <a:xfrm>
+          <a:off x="0" y="0"/>
+          <a:ext cx="0" cy="0"/>
+          <a:chOff x="0" y="0"/>
+          <a:chExt cx="0" cy="0"/>
+        </a:xfrm>
+      </p:grpSpPr>
+      <p:sp>
+        <p:nvSpPr>
+          <p:cNvPr id="2" name="Title 1"/>
+          <p:cNvSpPr>
+            <a:spLocks noGrp="1"/>
+          </p:cNvSpPr>
+          <p:nvPr>
+            <p:ph type="title"/>
+          </p:nvPr>
+        </p:nvSpPr>
+        <p:spPr/>
+        <p:txBody>
+          <a:bodyPr/>
+          <a:lstStyle/>
+          <a:p>
+            <a:r>
+              <a:rPr lang="en-US" smtClean="0"/>
+              <a:t>Simple layout</a:t>
+            </a:r>
+            <a:endParaRPr lang="sr-Latn-RS"/>
+          </a:p>
+        </p:txBody>
+      </p:sp>
+      <p:pic>
+        <p:nvPicPr>
+          <p:cNvPr id="4" name="Content Placeholder 3"/>
+          <p:cNvPicPr>
+            <a:picLocks noGrp="1" noChangeAspect="1"/>
+          </p:cNvPicPr>
+          <p:nvPr>
+            <p:ph sz="quarter" idx="10"/>
+          </p:nvPr>
+        </p:nvPicPr>
+        <p:blipFill>
+          <a:blip r:embed="rId2"/>
+          <a:stretch>
+            <a:fillRect/>
+          </a:stretch>
+        </p:blipFill>
+        <p:spPr>
+          <a:xfrm>
+            <a:off x="2722860" y="1754188"/>
+            <a:ext cx="4801593" cy="3871912"/>
+          </a:xfrm>
+          <a:prstGeom prst="rect">
+            <a:avLst/>
+          </a:prstGeom>
+        </p:spPr>
+      </p:pic>
+    </p:spTree>
+    <p:extLst>
+      <p:ext uri="{BB962C8B-B14F-4D97-AF65-F5344CB8AC3E}">
+        <p14:creationId xmlns:p14="http://schemas.microsoft.com/office/powerpoint/2010/main" val="1777166966"/>
+      </p:ext>
+    </p:extLst>
+  </p:cSld>
+  <p:clrMapOvr>
+    <a:masterClrMapping/>
+  </p:clrMapOvr>
+</p:sld>
+</file>
+
+<file path=ppt/slides/slide16.xml><?xml version="1.0" encoding="utf-8"?>
+<p:sld xmlns:a="http://schemas.openxmlformats.org/drawingml/2006/main" xmlns:r="http://schemas.openxmlformats.org/officeDocument/2006/relationships" xmlns:p="http://schemas.openxmlformats.org/presentationml/2006/main">
+  <p:cSld>
+    <p:spTree>
+      <p:nvGrpSpPr>
+        <p:cNvPr id="1" name=""/>
+        <p:cNvGrpSpPr/>
+        <p:nvPr/>
+      </p:nvGrpSpPr>
+      <p:grpSpPr>
+        <a:xfrm>
+          <a:off x="0" y="0"/>
+          <a:ext cx="0" cy="0"/>
+          <a:chOff x="0" y="0"/>
+          <a:chExt cx="0" cy="0"/>
+        </a:xfrm>
+      </p:grpSpPr>
+      <p:sp>
+        <p:nvSpPr>
+          <p:cNvPr id="2" name="Title 1"/>
+          <p:cNvSpPr>
+            <a:spLocks noGrp="1"/>
+          </p:cNvSpPr>
+          <p:nvPr>
+            <p:ph type="title"/>
+          </p:nvPr>
+        </p:nvSpPr>
+        <p:spPr/>
+        <p:txBody>
+          <a:bodyPr/>
+          <a:lstStyle/>
+          <a:p>
+            <a:r>
+              <a:rPr lang="en-US" smtClean="0"/>
+              <a:t>Element positioning</a:t>
+            </a:r>
+            <a:endParaRPr lang="sr-Latn-RS"/>
+          </a:p>
+        </p:txBody>
+      </p:sp>
+      <p:sp>
+        <p:nvSpPr>
+          <p:cNvPr id="3" name="Content Placeholder 2"/>
+          <p:cNvSpPr>
+            <a:spLocks noGrp="1"/>
+          </p:cNvSpPr>
+          <p:nvPr>
+            <p:ph sz="quarter" idx="10"/>
+          </p:nvPr>
+        </p:nvSpPr>
+        <p:spPr/>
+        <p:txBody>
+          <a:bodyPr/>
+          <a:lstStyle/>
+          <a:p>
+            <a:r>
+              <a:rPr lang="en-US" smtClean="0"/>
+              <a:t>Absolute vs Relative</a:t>
+            </a:r>
+            <a:endParaRPr lang="sr-Latn-RS"/>
+          </a:p>
+        </p:txBody>
+      </p:sp>
+    </p:spTree>
+    <p:extLst>
+      <p:ext uri="{BB962C8B-B14F-4D97-AF65-F5344CB8AC3E}">
+        <p14:creationId xmlns:p14="http://schemas.microsoft.com/office/powerpoint/2010/main" val="1323250761"/>
+      </p:ext>
+    </p:extLst>
+  </p:cSld>
+  <p:clrMapOvr>
+    <a:masterClrMapping/>
+  </p:clrMapOvr>
 </p:sld>
 </file>
 
@@ -7868,34 +8546,6 @@
           </a:p>
         </p:txBody>
       </p:sp>
-      <p:sp>
-        <p:nvSpPr>
-          <p:cNvPr id="3" name="Content Placeholder 2"/>
-          <p:cNvSpPr>
-            <a:spLocks noGrp="1"/>
-          </p:cNvSpPr>
-          <p:nvPr>
-            <p:ph sz="half" idx="4294967295"/>
-          </p:nvPr>
-        </p:nvSpPr>
-        <p:spPr>
-          <a:xfrm>
-            <a:off x="0" y="1825625"/>
-            <a:ext cx="5570538" cy="4351338"/>
-          </a:xfrm>
-        </p:spPr>
-        <p:txBody>
-          <a:bodyPr/>
-          <a:lstStyle/>
-          <a:p>
-            <a:pPr lvl="1"/>
-            <a:r>
-              <a:rPr lang="en-US" smtClean="0"/>
-              <a:t>String functions</a:t>
-            </a:r>
-          </a:p>
-        </p:txBody>
-      </p:sp>
       <p:pic>
         <p:nvPicPr>
           <p:cNvPr id="9" name="Picture 8"/>
@@ -7935,6 +8585,22 @@
           <a:bodyPr/>
           <a:lstStyle/>
           <a:p>
+            <a:r>
+              <a:rPr lang="en-US" smtClean="0"/>
+              <a:t>Zadatak?</a:t>
+            </a:r>
+          </a:p>
+          <a:p>
+            <a:r>
+              <a:rPr lang="en-US" smtClean="0"/>
+              <a:t>Kome radi igrica?</a:t>
+            </a:r>
+          </a:p>
+          <a:p>
+            <a:r>
+              <a:rPr lang="en-US" smtClean="0"/>
+              <a:t>Sta radi document.querySelector(‘ime’)?</a:t>
+            </a:r>
             <a:endParaRPr lang="sr-Latn-RS"/>
           </a:p>
         </p:txBody>
@@ -7978,6 +8644,109 @@
       </p:grpSpPr>
       <p:sp>
         <p:nvSpPr>
+          <p:cNvPr id="2" name="Title 1"/>
+          <p:cNvSpPr>
+            <a:spLocks noGrp="1"/>
+          </p:cNvSpPr>
+          <p:nvPr>
+            <p:ph type="title"/>
+          </p:nvPr>
+        </p:nvSpPr>
+        <p:spPr/>
+        <p:txBody>
+          <a:bodyPr/>
+          <a:lstStyle/>
+          <a:p>
+            <a:r>
+              <a:rPr lang="en-US" smtClean="0"/>
+              <a:t>Coding challenge</a:t>
+            </a:r>
+            <a:endParaRPr lang="sr-Latn-RS"/>
+          </a:p>
+        </p:txBody>
+      </p:sp>
+      <p:pic>
+        <p:nvPicPr>
+          <p:cNvPr id="4" name="Content Placeholder 3"/>
+          <p:cNvPicPr>
+            <a:picLocks noGrp="1" noChangeAspect="1"/>
+          </p:cNvPicPr>
+          <p:nvPr>
+            <p:ph sz="quarter" idx="10"/>
+          </p:nvPr>
+        </p:nvPicPr>
+        <p:blipFill>
+          <a:blip r:embed="rId2"/>
+          <a:stretch>
+            <a:fillRect/>
+          </a:stretch>
+        </p:blipFill>
+        <p:spPr>
+          <a:xfrm>
+            <a:off x="2093771" y="1418400"/>
+            <a:ext cx="5142206" cy="3328988"/>
+          </a:xfrm>
+          <a:prstGeom prst="rect">
+            <a:avLst/>
+          </a:prstGeom>
+        </p:spPr>
+      </p:pic>
+      <p:pic>
+        <p:nvPicPr>
+          <p:cNvPr id="5" name="Picture 4"/>
+          <p:cNvPicPr>
+            <a:picLocks noChangeAspect="1"/>
+          </p:cNvPicPr>
+          <p:nvPr/>
+        </p:nvPicPr>
+        <p:blipFill>
+          <a:blip r:embed="rId3"/>
+          <a:stretch>
+            <a:fillRect/>
+          </a:stretch>
+        </p:blipFill>
+        <p:spPr>
+          <a:xfrm>
+            <a:off x="2175934" y="4747388"/>
+            <a:ext cx="5060044" cy="482488"/>
+          </a:xfrm>
+          <a:prstGeom prst="rect">
+            <a:avLst/>
+          </a:prstGeom>
+        </p:spPr>
+      </p:pic>
+    </p:spTree>
+    <p:extLst>
+      <p:ext uri="{BB962C8B-B14F-4D97-AF65-F5344CB8AC3E}">
+        <p14:creationId xmlns:p14="http://schemas.microsoft.com/office/powerpoint/2010/main" val="1569355861"/>
+      </p:ext>
+    </p:extLst>
+  </p:cSld>
+  <p:clrMapOvr>
+    <a:masterClrMapping/>
+  </p:clrMapOvr>
+</p:sld>
+</file>
+
+<file path=ppt/slides/slide5.xml><?xml version="1.0" encoding="utf-8"?>
+<p:sld xmlns:a="http://schemas.openxmlformats.org/drawingml/2006/main" xmlns:r="http://schemas.openxmlformats.org/officeDocument/2006/relationships" xmlns:p="http://schemas.openxmlformats.org/presentationml/2006/main">
+  <p:cSld>
+    <p:spTree>
+      <p:nvGrpSpPr>
+        <p:cNvPr id="1" name=""/>
+        <p:cNvGrpSpPr/>
+        <p:nvPr/>
+      </p:nvGrpSpPr>
+      <p:grpSpPr>
+        <a:xfrm>
+          <a:off x="0" y="0"/>
+          <a:ext cx="0" cy="0"/>
+          <a:chOff x="0" y="0"/>
+          <a:chExt cx="0" cy="0"/>
+        </a:xfrm>
+      </p:grpSpPr>
+      <p:sp>
+        <p:nvSpPr>
           <p:cNvPr id="4" name="Title 3"/>
           <p:cNvSpPr>
             <a:spLocks noGrp="1"/>
@@ -8038,7 +8807,7 @@
 </p:sld>
 </file>
 
-<file path=ppt/slides/slide5.xml><?xml version="1.0" encoding="utf-8"?>
+<file path=ppt/slides/slide6.xml><?xml version="1.0" encoding="utf-8"?>
 <p:sld xmlns:a="http://schemas.openxmlformats.org/drawingml/2006/main" xmlns:r="http://schemas.openxmlformats.org/officeDocument/2006/relationships" xmlns:p="http://schemas.openxmlformats.org/presentationml/2006/main">
   <p:cSld>
     <p:spTree>
@@ -8141,7 +8910,7 @@
 </p:sld>
 </file>
 
-<file path=ppt/slides/slide6.xml><?xml version="1.0" encoding="utf-8"?>
+<file path=ppt/slides/slide7.xml><?xml version="1.0" encoding="utf-8"?>
 <p:sld xmlns:a="http://schemas.openxmlformats.org/drawingml/2006/main" xmlns:r="http://schemas.openxmlformats.org/officeDocument/2006/relationships" xmlns:p="http://schemas.openxmlformats.org/presentationml/2006/main">
   <p:cSld>
     <p:spTree>
@@ -8237,7 +9006,7 @@
 </p:sld>
 </file>
 
-<file path=ppt/slides/slide7.xml><?xml version="1.0" encoding="utf-8"?>
+<file path=ppt/slides/slide8.xml><?xml version="1.0" encoding="utf-8"?>
 <p:sld xmlns:a="http://schemas.openxmlformats.org/drawingml/2006/main" xmlns:r="http://schemas.openxmlformats.org/officeDocument/2006/relationships" xmlns:p="http://schemas.openxmlformats.org/presentationml/2006/main">
   <p:cSld>
     <p:spTree>
@@ -8256,12 +9025,12 @@
       </p:grpSpPr>
       <p:sp>
         <p:nvSpPr>
-          <p:cNvPr id="5" name="Text Placeholder 4"/>
+          <p:cNvPr id="2" name="Title 1"/>
           <p:cNvSpPr>
             <a:spLocks noGrp="1"/>
           </p:cNvSpPr>
           <p:nvPr>
-            <p:ph type="body" sz="quarter" idx="10"/>
+            <p:ph type="title"/>
           </p:nvPr>
         </p:nvSpPr>
         <p:spPr/>
@@ -8271,66 +9040,175 @@
           <a:p>
             <a:r>
               <a:rPr lang="en-US" smtClean="0"/>
-              <a:t>HTML</a:t>
-            </a:r>
-            <a:endParaRPr lang="sr-Latn-RS" smtClean="0"/>
+              <a:t>Colors</a:t>
+            </a:r>
+            <a:endParaRPr lang="sr-Latn-RS"/>
           </a:p>
         </p:txBody>
       </p:sp>
-      <p:sp>
-        <p:nvSpPr>
-          <p:cNvPr id="6" name="Text Placeholder 5"/>
-          <p:cNvSpPr>
-            <a:spLocks noGrp="1"/>
-          </p:cNvSpPr>
-          <p:nvPr>
-            <p:ph type="body" sz="quarter" idx="4294967295"/>
-          </p:nvPr>
-        </p:nvSpPr>
+      <p:pic>
+        <p:nvPicPr>
+          <p:cNvPr id="4" name="Content Placeholder 3"/>
+          <p:cNvPicPr>
+            <a:picLocks noGrp="1" noChangeAspect="1"/>
+          </p:cNvPicPr>
+          <p:nvPr>
+            <p:ph sz="quarter" idx="10"/>
+          </p:nvPr>
+        </p:nvPicPr>
+        <p:blipFill>
+          <a:blip r:embed="rId2"/>
+          <a:stretch>
+            <a:fillRect/>
+          </a:stretch>
+        </p:blipFill>
         <p:spPr>
           <a:xfrm>
-            <a:off x="7368309" y="3196013"/>
-            <a:ext cx="4699000" cy="1930400"/>
+            <a:off x="1617275" y="1754188"/>
+            <a:ext cx="7012763" cy="3871912"/>
           </a:xfrm>
+          <a:prstGeom prst="rect">
+            <a:avLst/>
+          </a:prstGeom>
         </p:spPr>
-        <p:txBody>
-          <a:bodyPr/>
-          <a:lstStyle/>
-          <a:p>
-            <a:r>
-              <a:rPr lang="en-US" sz="4000" smtClean="0"/>
-              <a:t>&lt;input&gt;</a:t>
-            </a:r>
-            <a:endParaRPr lang="sr-Latn-RS" sz="4000" smtClean="0"/>
-          </a:p>
-          <a:p>
-            <a:r>
-              <a:rPr lang="en-US" sz="4000" smtClean="0">
-                <a:latin typeface="Consolas" panose="020B0609020204030204" pitchFamily="49" charset="0"/>
-              </a:rPr>
-              <a:t>&lt;select&gt;</a:t>
-            </a:r>
-            <a:endParaRPr lang="sr-Latn-RS" sz="4000"/>
-          </a:p>
-        </p:txBody>
-      </p:sp>
+      </p:pic>
+      <p:pic>
+        <p:nvPicPr>
+          <p:cNvPr id="5" name="Picture 4"/>
+          <p:cNvPicPr>
+            <a:picLocks noChangeAspect="1"/>
+          </p:cNvPicPr>
+          <p:nvPr/>
+        </p:nvPicPr>
+        <p:blipFill>
+          <a:blip r:embed="rId3"/>
+          <a:stretch>
+            <a:fillRect/>
+          </a:stretch>
+        </p:blipFill>
+        <p:spPr>
+          <a:xfrm>
+            <a:off x="8497547" y="846000"/>
+            <a:ext cx="3210373" cy="3343742"/>
+          </a:xfrm>
+          <a:prstGeom prst="rect">
+            <a:avLst/>
+          </a:prstGeom>
+        </p:spPr>
+      </p:pic>
     </p:spTree>
     <p:extLst>
       <p:ext uri="{BB962C8B-B14F-4D97-AF65-F5344CB8AC3E}">
-        <p14:creationId xmlns:p14="http://schemas.microsoft.com/office/powerpoint/2010/main" val="2600594065"/>
+        <p14:creationId xmlns:p14="http://schemas.microsoft.com/office/powerpoint/2010/main" val="2645085192"/>
       </p:ext>
     </p:extLst>
   </p:cSld>
   <p:clrMapOvr>
     <a:masterClrMapping/>
   </p:clrMapOvr>
-  <p:timing>
-    <p:tnLst>
-      <p:par>
-        <p:cTn id="1" dur="indefinite" restart="never" nodeType="tmRoot"/>
-      </p:par>
-    </p:tnLst>
-  </p:timing>
+</p:sld>
+</file>
+
+<file path=ppt/slides/slide9.xml><?xml version="1.0" encoding="utf-8"?>
+<p:sld xmlns:a="http://schemas.openxmlformats.org/drawingml/2006/main" xmlns:r="http://schemas.openxmlformats.org/officeDocument/2006/relationships" xmlns:p="http://schemas.openxmlformats.org/presentationml/2006/main">
+  <p:cSld>
+    <p:spTree>
+      <p:nvGrpSpPr>
+        <p:cNvPr id="1" name=""/>
+        <p:cNvGrpSpPr/>
+        <p:nvPr/>
+      </p:nvGrpSpPr>
+      <p:grpSpPr>
+        <a:xfrm>
+          <a:off x="0" y="0"/>
+          <a:ext cx="0" cy="0"/>
+          <a:chOff x="0" y="0"/>
+          <a:chExt cx="0" cy="0"/>
+        </a:xfrm>
+      </p:grpSpPr>
+      <p:sp>
+        <p:nvSpPr>
+          <p:cNvPr id="2" name="Title 1"/>
+          <p:cNvSpPr>
+            <a:spLocks noGrp="1"/>
+          </p:cNvSpPr>
+          <p:nvPr>
+            <p:ph type="title"/>
+          </p:nvPr>
+        </p:nvSpPr>
+        <p:spPr/>
+        <p:txBody>
+          <a:bodyPr/>
+          <a:lstStyle/>
+          <a:p>
+            <a:r>
+              <a:rPr lang="en-US" smtClean="0"/>
+              <a:t>Shades of grey</a:t>
+            </a:r>
+            <a:endParaRPr lang="sr-Latn-RS"/>
+          </a:p>
+        </p:txBody>
+      </p:sp>
+      <p:pic>
+        <p:nvPicPr>
+          <p:cNvPr id="4" name="Content Placeholder 3"/>
+          <p:cNvPicPr>
+            <a:picLocks noGrp="1" noChangeAspect="1"/>
+          </p:cNvPicPr>
+          <p:nvPr>
+            <p:ph sz="quarter" idx="10"/>
+          </p:nvPr>
+        </p:nvPicPr>
+        <p:blipFill>
+          <a:blip r:embed="rId2"/>
+          <a:stretch>
+            <a:fillRect/>
+          </a:stretch>
+        </p:blipFill>
+        <p:spPr>
+          <a:xfrm>
+            <a:off x="885229" y="1754188"/>
+            <a:ext cx="6442081" cy="2942503"/>
+          </a:xfrm>
+          <a:prstGeom prst="rect">
+            <a:avLst/>
+          </a:prstGeom>
+        </p:spPr>
+      </p:pic>
+      <p:pic>
+        <p:nvPicPr>
+          <p:cNvPr id="5" name="Picture 4"/>
+          <p:cNvPicPr>
+            <a:picLocks noChangeAspect="1"/>
+          </p:cNvPicPr>
+          <p:nvPr/>
+        </p:nvPicPr>
+        <p:blipFill>
+          <a:blip r:embed="rId3"/>
+          <a:stretch>
+            <a:fillRect/>
+          </a:stretch>
+        </p:blipFill>
+        <p:spPr>
+          <a:xfrm>
+            <a:off x="7453385" y="81311"/>
+            <a:ext cx="2679829" cy="6776689"/>
+          </a:xfrm>
+          <a:prstGeom prst="rect">
+            <a:avLst/>
+          </a:prstGeom>
+        </p:spPr>
+      </p:pic>
+    </p:spTree>
+    <p:extLst>
+      <p:ext uri="{BB962C8B-B14F-4D97-AF65-F5344CB8AC3E}">
+        <p14:creationId xmlns:p14="http://schemas.microsoft.com/office/powerpoint/2010/main" val="2745784440"/>
+      </p:ext>
+    </p:extLst>
+  </p:cSld>
+  <p:clrMapOvr>
+    <a:masterClrMapping/>
+  </p:clrMapOvr>
 </p:sld>
 </file>
 
